--- a/presentation/2019-11-05 - Presentation TMP Project.pptx
+++ b/presentation/2019-11-05 - Presentation TMP Project.pptx
@@ -5,7 +5,7 @@
     <p:sldMasterId id="2147483672" r:id="rId1"/>
   </p:sldMasterIdLst>
   <p:notesMasterIdLst>
-    <p:notesMasterId r:id="rId10"/>
+    <p:notesMasterId r:id="rId11"/>
   </p:notesMasterIdLst>
   <p:sldIdLst>
     <p:sldId id="256" r:id="rId2"/>
@@ -16,6 +16,7 @@
     <p:sldId id="259" r:id="rId7"/>
     <p:sldId id="258" r:id="rId8"/>
     <p:sldId id="263" r:id="rId9"/>
+    <p:sldId id="264" r:id="rId10"/>
   </p:sldIdLst>
   <p:sldSz cx="12192000" cy="6858000"/>
   <p:notesSz cx="6858000" cy="12192000"/>
@@ -2366,7 +2367,7 @@
             </a:pPr>
             <a:fld id="{BCC18F51-09EC-435C-A3BA-64A766E099C0}" type="datetimeFigureOut">
               <a:rPr lang="en-US" smtClean="0"/>
-              <a:t>30.10.2013</a:t>
+              <a:t>11/7/2019</a:t>
             </a:fld>
             <a:endParaRPr lang="en-US"/>
           </a:p>
@@ -2557,7 +2558,7 @@
             </a:pPr>
             <a:fld id="{BCC18F51-09EC-435C-A3BA-64A766E099C0}" type="datetimeFigureOut">
               <a:rPr lang="en-US" smtClean="0"/>
-              <a:t>30.10.2013</a:t>
+              <a:t>11/7/2019</a:t>
             </a:fld>
             <a:endParaRPr lang="en-US"/>
           </a:p>
@@ -2718,7 +2719,7 @@
             </a:pPr>
             <a:fld id="{BCC18F51-09EC-435C-A3BA-64A766E099C0}" type="datetimeFigureOut">
               <a:rPr lang="en-US" smtClean="0"/>
-              <a:t>30.10.2013</a:t>
+              <a:t>11/7/2019</a:t>
             </a:fld>
             <a:endParaRPr lang="en-US"/>
           </a:p>
@@ -6381,7 +6382,7 @@
             </a:pPr>
             <a:fld id="{BCC18F51-09EC-435C-A3BA-64A766E099C0}" type="datetimeFigureOut">
               <a:rPr lang="en-US" smtClean="0"/>
-              <a:t>30.10.2013</a:t>
+              <a:t>11/7/2019</a:t>
             </a:fld>
             <a:endParaRPr lang="en-US"/>
           </a:p>
@@ -8914,7 +8915,7 @@
             </a:pPr>
             <a:fld id="{BCC18F51-09EC-435C-A3BA-64A766E099C0}" type="datetimeFigureOut">
               <a:rPr lang="en-US" smtClean="0"/>
-              <a:t>30.10.2013</a:t>
+              <a:t>11/7/2019</a:t>
             </a:fld>
             <a:endParaRPr lang="en-US"/>
           </a:p>
@@ -9037,7 +9038,7 @@
             </a:pPr>
             <a:fld id="{BCC18F51-09EC-435C-A3BA-64A766E099C0}" type="datetimeFigureOut">
               <a:rPr lang="en-US" smtClean="0"/>
-              <a:t>30.10.2013</a:t>
+              <a:t>11/7/2019</a:t>
             </a:fld>
             <a:endParaRPr lang="en-US"/>
           </a:p>
@@ -9588,7 +9589,7 @@
             </a:pPr>
             <a:fld id="{BCC18F51-09EC-435C-A3BA-64A766E099C0}" type="datetimeFigureOut">
               <a:rPr lang="en-US" smtClean="0"/>
-              <a:t>30.10.2013</a:t>
+              <a:t>11/7/2019</a:t>
             </a:fld>
             <a:endParaRPr lang="en-US"/>
           </a:p>
@@ -9711,7 +9712,7 @@
             </a:pPr>
             <a:fld id="{BCC18F51-09EC-435C-A3BA-64A766E099C0}" type="datetimeFigureOut">
               <a:rPr lang="en-US" smtClean="0"/>
-              <a:t>30.10.2013</a:t>
+              <a:t>11/7/2019</a:t>
             </a:fld>
             <a:endParaRPr lang="en-US"/>
           </a:p>
@@ -11432,7 +11433,7 @@
             </a:pPr>
             <a:fld id="{BCC18F51-09EC-435C-A3BA-64A766E099C0}" type="datetimeFigureOut">
               <a:rPr lang="en-US" smtClean="0"/>
-              <a:t>30.10.2013</a:t>
+              <a:t>11/7/2019</a:t>
             </a:fld>
             <a:endParaRPr lang="en-US"/>
           </a:p>
@@ -11593,7 +11594,7 @@
             </a:pPr>
             <a:fld id="{BCC18F51-09EC-435C-A3BA-64A766E099C0}" type="datetimeFigureOut">
               <a:rPr lang="en-US" smtClean="0"/>
-              <a:t>30.10.2013</a:t>
+              <a:t>11/7/2019</a:t>
             </a:fld>
             <a:endParaRPr lang="en-US"/>
           </a:p>
@@ -15218,7 +15219,7 @@
             </a:pPr>
             <a:fld id="{BCC18F51-09EC-435C-A3BA-64A766E099C0}" type="datetimeFigureOut">
               <a:rPr lang="en-US" smtClean="0"/>
-              <a:t>30.10.2013</a:t>
+              <a:t>11/7/2019</a:t>
             </a:fld>
             <a:endParaRPr lang="en-US"/>
           </a:p>
@@ -17087,7 +17088,7 @@
             </a:pPr>
             <a:fld id="{BCC18F51-09EC-435C-A3BA-64A766E099C0}" type="datetimeFigureOut">
               <a:rPr lang="en-US" smtClean="0"/>
-              <a:t>30.10.2013</a:t>
+              <a:t>11/7/2019</a:t>
             </a:fld>
             <a:endParaRPr lang="en-US"/>
           </a:p>
@@ -18411,7 +18412,7 @@
     <mc:Choice Requires="p14">
       <p:transition spd="slow" p14:dur="2000"/>
     </mc:Choice>
-    <mc:Fallback xmlns:w="http://schemas.openxmlformats.org/wordprocessingml/2006/main" xmlns:m="http://schemas.openxmlformats.org/officeDocument/2006/math" xmlns="">
+    <mc:Fallback xmlns="" xmlns:m="http://schemas.openxmlformats.org/officeDocument/2006/math" xmlns:w="http://schemas.openxmlformats.org/wordprocessingml/2006/main">
       <p:transition advClick="1"/>
     </mc:Fallback>
   </mc:AlternateContent>
@@ -18454,8 +18455,8 @@
         </p:nvSpPr>
         <p:spPr>
           <a:xfrm>
-            <a:off x="2855640" y="2852936"/>
-            <a:ext cx="6480720" cy="3417243"/>
+            <a:off x="2639616" y="3140968"/>
+            <a:ext cx="6480720" cy="2592288"/>
           </a:xfrm>
         </p:spPr>
         <p:txBody>
@@ -18686,63 +18687,61 @@
           <a:bodyPr/>
           <a:lstStyle/>
           <a:p>
-            <a:r>
-              <a:rPr lang="en-US" b="1" dirty="0">
-                <a:latin typeface="Roboto Mono"/>
-              </a:rPr>
-              <a:t>Multicore </a:t>
-            </a:r>
+            <a:pPr>
+              <a:buFont typeface="Wingdings" pitchFamily="2" charset="2"/>
+              <a:buChar char="Ø"/>
+            </a:pPr>
             <a:r>
               <a:rPr lang="en-US" b="1" dirty="0" smtClean="0">
                 <a:latin typeface="Roboto Mono"/>
               </a:rPr>
+              <a:t> </a:t>
+            </a:r>
+            <a:r>
+              <a:rPr lang="en-US" b="1" dirty="0" smtClean="0"/>
+              <a:t>Multicore </a:t>
+            </a:r>
+            <a:r>
+              <a:rPr lang="en-US" b="1" dirty="0" smtClean="0"/>
               <a:t>Systems </a:t>
             </a:r>
             <a:r>
-              <a:rPr lang="en-US" dirty="0" smtClean="0">
-                <a:latin typeface="Roboto Mono"/>
-              </a:rPr>
+              <a:rPr lang="en-US" dirty="0" smtClean="0"/>
               <a:t>are becoming increasingly popular as part of digitalization and </a:t>
             </a:r>
             <a:r>
-              <a:rPr lang="en-US" b="1" i="1" dirty="0" smtClean="0">
-                <a:latin typeface="Roboto Mono"/>
-              </a:rPr>
+              <a:rPr lang="en-US" b="1" i="1" dirty="0" smtClean="0"/>
               <a:t>Industry</a:t>
             </a:r>
             <a:r>
-              <a:rPr lang="en-US" dirty="0" smtClean="0">
-                <a:latin typeface="Roboto Mono"/>
-              </a:rPr>
+              <a:rPr lang="en-US" dirty="0" smtClean="0"/>
               <a:t> </a:t>
             </a:r>
             <a:r>
-              <a:rPr lang="en-US" b="1" i="1" dirty="0" smtClean="0">
-                <a:latin typeface="Roboto Mono"/>
-              </a:rPr>
+              <a:rPr lang="en-US" b="1" i="1" dirty="0" smtClean="0"/>
               <a:t>4.0</a:t>
             </a:r>
             <a:r>
-              <a:rPr lang="en-US" dirty="0" smtClean="0">
-                <a:latin typeface="Roboto Mono"/>
-              </a:rPr>
+              <a:rPr lang="en-US" dirty="0" smtClean="0"/>
               <a:t>             </a:t>
             </a:r>
             <a:r>
-              <a:rPr lang="en-US" b="1" i="1" u="sng" dirty="0">
-                <a:latin typeface="Roboto Mono"/>
-              </a:rPr>
-              <a:t>important role in data processing and </a:t>
-            </a:r>
-            <a:r>
-              <a:rPr lang="en-US" b="1" i="1" u="sng" dirty="0" smtClean="0">
-                <a:latin typeface="Roboto Mono"/>
-              </a:rPr>
+              <a:rPr lang="en-US" dirty="0" smtClean="0"/>
+              <a:t>  </a:t>
+            </a:r>
+            <a:r>
+              <a:rPr lang="en-US" b="1" i="1" u="sng" dirty="0" smtClean="0"/>
+              <a:t>important </a:t>
+            </a:r>
+            <a:r>
+              <a:rPr lang="en-US" b="1" i="1" u="sng" dirty="0"/>
+              <a:t>role in data processing and </a:t>
+            </a:r>
+            <a:r>
+              <a:rPr lang="en-US" b="1" i="1" u="sng" dirty="0" smtClean="0"/>
               <a:t>process automation</a:t>
             </a:r>
-            <a:endParaRPr lang="en-US" b="1" i="1" u="sng" dirty="0">
-              <a:latin typeface="Roboto Mono"/>
-            </a:endParaRPr>
+            <a:endParaRPr lang="en-US" b="1" i="1" u="sng" dirty="0"/>
           </a:p>
         </p:txBody>
       </p:sp>
@@ -18822,7 +18821,7 @@
         </p:nvSpPr>
         <p:spPr>
           <a:xfrm>
-            <a:off x="5663952" y="3071312"/>
+            <a:off x="5405484" y="3045197"/>
             <a:ext cx="864096" cy="144016"/>
           </a:xfrm>
           <a:prstGeom prst="rightArrow">
@@ -18931,7 +18930,12 @@
             <p:ph idx="1"/>
           </p:nvPr>
         </p:nvSpPr>
-        <p:spPr/>
+        <p:spPr>
+          <a:xfrm>
+            <a:off x="28709" y="2708920"/>
+            <a:ext cx="7170480" cy="3312368"/>
+          </a:xfrm>
+        </p:spPr>
         <p:txBody>
           <a:bodyPr/>
           <a:lstStyle/>
@@ -18941,10 +18945,101 @@
               <a:buChar char="Ø"/>
             </a:pPr>
             <a:r>
-              <a:rPr lang="en-US" b="1" i="1" dirty="0">
+              <a:rPr lang="en-US" b="1" i="1" dirty="0" smtClean="0">
                 <a:latin typeface="Roboto Mono"/>
               </a:rPr>
-              <a:t>ESP32</a:t>
+              <a:t> </a:t>
+            </a:r>
+            <a:r>
+              <a:rPr lang="en-US" b="1" i="1" dirty="0" smtClean="0"/>
+              <a:t>ESP32 </a:t>
+            </a:r>
+            <a:r>
+              <a:rPr lang="en-US" dirty="0" smtClean="0"/>
+              <a:t>it is an </a:t>
+            </a:r>
+            <a:r>
+              <a:rPr lang="en-US" b="1" i="1" u="sng" dirty="0" smtClean="0"/>
+              <a:t>multi-core </a:t>
+            </a:r>
+            <a:r>
+              <a:rPr lang="en-US" b="1" i="1" u="sng" dirty="0"/>
+              <a:t>embedded hardware </a:t>
+            </a:r>
+            <a:r>
+              <a:rPr lang="en-US" b="1" i="1" u="sng" dirty="0" smtClean="0"/>
+              <a:t>platforms</a:t>
+            </a:r>
+            <a:r>
+              <a:rPr lang="en-US" i="1" u="sng" dirty="0" smtClean="0"/>
+              <a:t> </a:t>
+            </a:r>
+            <a:r>
+              <a:rPr lang="en-US" dirty="0" smtClean="0"/>
+              <a:t>that reduces </a:t>
+            </a:r>
+            <a:r>
+              <a:rPr lang="en-US" i="1" u="sng" dirty="0" smtClean="0"/>
+              <a:t>execution time </a:t>
+            </a:r>
+            <a:r>
+              <a:rPr lang="en-US" dirty="0" smtClean="0"/>
+              <a:t>and </a:t>
+            </a:r>
+            <a:r>
+              <a:rPr lang="en-US" i="1" u="sng" dirty="0" smtClean="0"/>
+              <a:t>power consumption </a:t>
+            </a:r>
+            <a:r>
+              <a:rPr lang="en-US" dirty="0" smtClean="0"/>
+              <a:t>with it’s ability to develop advanced parallel computing </a:t>
+            </a:r>
+            <a:r>
+              <a:rPr lang="en-US" dirty="0" err="1" smtClean="0"/>
+              <a:t>softwares</a:t>
+            </a:r>
+            <a:r>
+              <a:rPr lang="en-US" dirty="0" smtClean="0"/>
+              <a:t>.</a:t>
+            </a:r>
+            <a:endParaRPr lang="en-US" dirty="0"/>
+          </a:p>
+          <a:p>
+            <a:pPr>
+              <a:buFont typeface="Wingdings" pitchFamily="2" charset="2"/>
+              <a:buChar char="Ø"/>
+            </a:pPr>
+            <a:r>
+              <a:rPr lang="en-US" dirty="0" smtClean="0"/>
+              <a:t> In </a:t>
+            </a:r>
+            <a:r>
+              <a:rPr lang="en-US" dirty="0"/>
+              <a:t>order to develop an </a:t>
+            </a:r>
+            <a:r>
+              <a:rPr lang="en-US" b="1" i="1" u="sng" dirty="0"/>
+              <a:t>optimal solution</a:t>
+            </a:r>
+            <a:r>
+              <a:rPr lang="en-US" dirty="0"/>
+              <a:t>, the hardware platform must be </a:t>
+            </a:r>
+            <a:r>
+              <a:rPr lang="en-US" dirty="0" smtClean="0"/>
+              <a:t>included in </a:t>
+            </a:r>
+            <a:r>
+              <a:rPr lang="en-US" dirty="0"/>
+              <a:t>addition to the </a:t>
+            </a:r>
+            <a:r>
+              <a:rPr lang="en-US" i="1" u="sng" dirty="0"/>
+              <a:t>mathematical model </a:t>
+            </a:r>
+            <a:r>
+              <a:rPr lang="en-US" dirty="0"/>
+              <a:t>of the problem itself.</a:t>
             </a:r>
             <a:endParaRPr lang="en-US" b="1" i="1" dirty="0">
               <a:latin typeface="Roboto Mono"/>
@@ -19014,6 +19109,36 @@
           <a:xfrm>
             <a:off x="9840416" y="260648"/>
             <a:ext cx="1981678" cy="1440160"/>
+          </a:xfrm>
+          <a:prstGeom prst="rect">
+            <a:avLst/>
+          </a:prstGeom>
+        </p:spPr>
+      </p:pic>
+      <p:pic>
+        <p:nvPicPr>
+          <p:cNvPr id="5" name="Picture 4"/>
+          <p:cNvPicPr>
+            <a:picLocks noChangeAspect="1"/>
+          </p:cNvPicPr>
+          <p:nvPr/>
+        </p:nvPicPr>
+        <p:blipFill>
+          <a:blip r:embed="rId3">
+            <a:extLst>
+              <a:ext uri="{28A0092B-C50C-407E-A947-70E740481C1C}">
+                <a14:useLocalDpi xmlns:a14="http://schemas.microsoft.com/office/drawing/2010/main" val="0"/>
+              </a:ext>
+            </a:extLst>
+          </a:blip>
+          <a:stretch>
+            <a:fillRect/>
+          </a:stretch>
+        </p:blipFill>
+        <p:spPr>
+          <a:xfrm>
+            <a:off x="7219810" y="2996951"/>
+            <a:ext cx="4756165" cy="3393177"/>
           </a:xfrm>
           <a:prstGeom prst="rect">
             <a:avLst/>
@@ -19072,7 +19197,71 @@
           <a:bodyPr/>
           <a:lstStyle/>
           <a:p>
-            <a:endParaRPr lang="en-US"/>
+            <a:pPr>
+              <a:buFont typeface="Wingdings" pitchFamily="2" charset="2"/>
+              <a:buChar char="Ø"/>
+            </a:pPr>
+            <a:r>
+              <a:rPr lang="en-US" dirty="0" smtClean="0"/>
+              <a:t> The </a:t>
+            </a:r>
+            <a:r>
+              <a:rPr lang="en-US" b="1" i="1" u="sng" dirty="0" smtClean="0"/>
+              <a:t>aim</a:t>
+            </a:r>
+            <a:r>
+              <a:rPr lang="en-US" b="1" i="1" dirty="0" smtClean="0"/>
+              <a:t> </a:t>
+            </a:r>
+            <a:r>
+              <a:rPr lang="en-US" dirty="0"/>
+              <a:t>of parallelism </a:t>
+            </a:r>
+            <a:r>
+              <a:rPr lang="en-US" dirty="0" smtClean="0"/>
+              <a:t>is to </a:t>
+            </a:r>
+            <a:r>
+              <a:rPr lang="en-US" b="1" i="1" u="sng" dirty="0" smtClean="0"/>
+              <a:t>reduce</a:t>
+            </a:r>
+            <a:r>
+              <a:rPr lang="en-US" dirty="0" smtClean="0"/>
+              <a:t> </a:t>
+            </a:r>
+            <a:r>
+              <a:rPr lang="en-US" dirty="0"/>
+              <a:t>the </a:t>
+            </a:r>
+            <a:r>
+              <a:rPr lang="en-US" b="1" i="1" u="sng" dirty="0"/>
+              <a:t>execution time </a:t>
+            </a:r>
+            <a:r>
+              <a:rPr lang="en-US" dirty="0" smtClean="0"/>
+              <a:t>and is </a:t>
+            </a:r>
+            <a:r>
+              <a:rPr lang="en-US" dirty="0"/>
+              <a:t>one of the </a:t>
+            </a:r>
+            <a:r>
+              <a:rPr lang="en-US" dirty="0" smtClean="0"/>
+              <a:t>most important objectives </a:t>
+            </a:r>
+            <a:r>
+              <a:rPr lang="en-US" dirty="0"/>
+              <a:t>in concurrency to make applications more </a:t>
+            </a:r>
+            <a:r>
+              <a:rPr lang="en-US" b="1" i="1" u="sng" dirty="0" smtClean="0"/>
+              <a:t>efficient</a:t>
+            </a:r>
+            <a:r>
+              <a:rPr lang="en-US" dirty="0" smtClean="0"/>
+              <a:t>.     </a:t>
+            </a:r>
+            <a:endParaRPr lang="en-US" dirty="0"/>
           </a:p>
         </p:txBody>
       </p:sp>
@@ -19088,15 +19277,59 @@
         </p:nvSpPr>
         <p:spPr>
           <a:xfrm>
-            <a:off x="623392" y="332656"/>
-            <a:ext cx="10972800" cy="1252728"/>
+            <a:off x="623392" y="188640"/>
+            <a:ext cx="10972800" cy="1584176"/>
           </a:xfrm>
         </p:spPr>
         <p:txBody>
           <a:bodyPr/>
           <a:lstStyle/>
           <a:p>
-            <a:endParaRPr lang="en-US"/>
+            <a:r>
+              <a:rPr lang="en-US" b="1" i="1" dirty="0">
+                <a:solidFill>
+                  <a:schemeClr val="tx1"/>
+                </a:solidFill>
+                <a:latin typeface="Roboto Mono"/>
+              </a:rPr>
+              <a:t>Basic Concept of </a:t>
+            </a:r>
+            <a:r>
+              <a:rPr lang="en-US" b="1" i="1" dirty="0" smtClean="0">
+                <a:solidFill>
+                  <a:schemeClr val="tx1"/>
+                </a:solidFill>
+                <a:latin typeface="Roboto Mono"/>
+              </a:rPr>
+              <a:t/>
+            </a:r>
+            <a:br>
+              <a:rPr lang="en-US" b="1" i="1" dirty="0" smtClean="0">
+                <a:solidFill>
+                  <a:schemeClr val="tx1"/>
+                </a:solidFill>
+                <a:latin typeface="Roboto Mono"/>
+              </a:rPr>
+            </a:br>
+            <a:r>
+              <a:rPr lang="en-US" b="1" i="1" dirty="0" smtClean="0">
+                <a:solidFill>
+                  <a:schemeClr val="tx1"/>
+                </a:solidFill>
+                <a:latin typeface="Roboto Mono"/>
+              </a:rPr>
+              <a:t>Parallel </a:t>
+            </a:r>
+            <a:r>
+              <a:rPr lang="en-US" b="1" i="1" dirty="0">
+                <a:solidFill>
+                  <a:schemeClr val="tx1"/>
+                </a:solidFill>
+                <a:latin typeface="Roboto Mono"/>
+              </a:rPr>
+              <a:t>Programming</a:t>
+            </a:r>
+            <a:endParaRPr lang="en-US" dirty="0"/>
           </a:p>
         </p:txBody>
       </p:sp>
@@ -19128,6 +19361,70 @@
           <a:prstGeom prst="rect">
             <a:avLst/>
           </a:prstGeom>
+        </p:spPr>
+      </p:pic>
+      <p:pic>
+        <p:nvPicPr>
+          <p:cNvPr id="1026" name="Picture 2"/>
+          <p:cNvPicPr>
+            <a:picLocks noChangeAspect="1" noChangeArrowheads="1"/>
+          </p:cNvPicPr>
+          <p:nvPr/>
+        </p:nvPicPr>
+        <p:blipFill>
+          <a:blip r:embed="rId3">
+            <a:extLst>
+              <a:ext uri="{28A0092B-C50C-407E-A947-70E740481C1C}">
+                <a14:useLocalDpi xmlns:a14="http://schemas.microsoft.com/office/drawing/2010/main" val="0"/>
+              </a:ext>
+            </a:extLst>
+          </a:blip>
+          <a:srcRect/>
+          <a:stretch>
+            <a:fillRect/>
+          </a:stretch>
+        </p:blipFill>
+        <p:spPr bwMode="auto">
+          <a:xfrm>
+            <a:off x="3647728" y="3594464"/>
+            <a:ext cx="4597326" cy="3032279"/>
+          </a:xfrm>
+          <a:prstGeom prst="rect">
+            <a:avLst/>
+          </a:prstGeom>
+          <a:noFill/>
+          <a:ln>
+            <a:noFill/>
+          </a:ln>
+          <a:effectLst/>
+          <a:extLst>
+            <a:ext uri="{909E8E84-426E-40DD-AFC4-6F175D3DCCD1}">
+              <a14:hiddenFill xmlns:a14="http://schemas.microsoft.com/office/drawing/2010/main">
+                <a:solidFill>
+                  <a:schemeClr val="accent1"/>
+                </a:solidFill>
+              </a14:hiddenFill>
+            </a:ext>
+            <a:ext uri="{91240B29-F687-4F45-9708-019B960494DF}">
+              <a14:hiddenLine xmlns:a14="http://schemas.microsoft.com/office/drawing/2010/main" w="9525">
+                <a:solidFill>
+                  <a:schemeClr val="tx1"/>
+                </a:solidFill>
+                <a:miter lim="800000"/>
+                <a:headEnd/>
+                <a:tailEnd/>
+              </a14:hiddenLine>
+            </a:ext>
+            <a:ext uri="{AF507438-7753-43E0-B8FC-AC1667EBCBE1}">
+              <a14:hiddenEffects xmlns:a14="http://schemas.microsoft.com/office/drawing/2010/main">
+                <a:effectLst>
+                  <a:outerShdw dist="35921" dir="2700000" algn="ctr" rotWithShape="0">
+                    <a:schemeClr val="bg2"/>
+                  </a:outerShdw>
+                </a:effectLst>
+              </a14:hiddenEffects>
+            </a:ext>
+          </a:extLst>
         </p:spPr>
       </p:pic>
     </p:spTree>
@@ -19167,49 +19464,6 @@
           <a:chExt cx="0" cy="0"/>
         </a:xfrm>
       </p:grpSpPr>
-      <p:sp>
-        <p:nvSpPr>
-          <p:cNvPr id="2" name="Content Placeholder 1"/>
-          <p:cNvSpPr>
-            <a:spLocks noGrp="1"/>
-          </p:cNvSpPr>
-          <p:nvPr>
-            <p:ph idx="1"/>
-          </p:nvPr>
-        </p:nvSpPr>
-        <p:spPr/>
-        <p:txBody>
-          <a:bodyPr/>
-          <a:lstStyle/>
-          <a:p>
-            <a:endParaRPr lang="en-US"/>
-          </a:p>
-        </p:txBody>
-      </p:sp>
-      <p:sp>
-        <p:nvSpPr>
-          <p:cNvPr id="6" name="Title 5"/>
-          <p:cNvSpPr>
-            <a:spLocks noGrp="1"/>
-          </p:cNvSpPr>
-          <p:nvPr>
-            <p:ph type="title"/>
-          </p:nvPr>
-        </p:nvSpPr>
-        <p:spPr>
-          <a:xfrm>
-            <a:off x="623392" y="332656"/>
-            <a:ext cx="10972800" cy="1252728"/>
-          </a:xfrm>
-        </p:spPr>
-        <p:txBody>
-          <a:bodyPr/>
-          <a:lstStyle/>
-          <a:p>
-            <a:endParaRPr lang="en-US"/>
-          </a:p>
-        </p:txBody>
-      </p:sp>
       <p:pic>
         <p:nvPicPr>
           <p:cNvPr id="7" name="Picture 6"/>
@@ -19240,6 +19494,140 @@
           </a:prstGeom>
         </p:spPr>
       </p:pic>
+      <p:pic>
+        <p:nvPicPr>
+          <p:cNvPr id="2050" name="Picture 2"/>
+          <p:cNvPicPr>
+            <a:picLocks noGrp="1" noChangeAspect="1" noChangeArrowheads="1"/>
+          </p:cNvPicPr>
+          <p:nvPr>
+            <p:ph idx="1"/>
+          </p:nvPr>
+        </p:nvPicPr>
+        <p:blipFill>
+          <a:blip r:embed="rId3">
+            <a:extLst>
+              <a:ext uri="{28A0092B-C50C-407E-A947-70E740481C1C}">
+                <a14:useLocalDpi xmlns:a14="http://schemas.microsoft.com/office/drawing/2010/main" val="0"/>
+              </a:ext>
+            </a:extLst>
+          </a:blip>
+          <a:srcRect/>
+          <a:stretch>
+            <a:fillRect/>
+          </a:stretch>
+        </p:blipFill>
+        <p:spPr bwMode="auto">
+          <a:xfrm>
+            <a:off x="1847528" y="2564904"/>
+            <a:ext cx="8664343" cy="4171305"/>
+          </a:xfrm>
+          <a:prstGeom prst="rect">
+            <a:avLst/>
+          </a:prstGeom>
+          <a:noFill/>
+          <a:ln>
+            <a:noFill/>
+          </a:ln>
+          <a:effectLst/>
+          <a:extLst>
+            <a:ext uri="{909E8E84-426E-40DD-AFC4-6F175D3DCCD1}">
+              <a14:hiddenFill xmlns:a14="http://schemas.microsoft.com/office/drawing/2010/main">
+                <a:solidFill>
+                  <a:schemeClr val="accent1"/>
+                </a:solidFill>
+              </a14:hiddenFill>
+            </a:ext>
+            <a:ext uri="{91240B29-F687-4F45-9708-019B960494DF}">
+              <a14:hiddenLine xmlns:a14="http://schemas.microsoft.com/office/drawing/2010/main" w="9525">
+                <a:solidFill>
+                  <a:schemeClr val="tx1"/>
+                </a:solidFill>
+                <a:miter lim="800000"/>
+                <a:headEnd/>
+                <a:tailEnd/>
+              </a14:hiddenLine>
+            </a:ext>
+            <a:ext uri="{AF507438-7753-43E0-B8FC-AC1667EBCBE1}">
+              <a14:hiddenEffects xmlns:a14="http://schemas.microsoft.com/office/drawing/2010/main">
+                <a:effectLst>
+                  <a:outerShdw dist="35921" dir="2700000" algn="ctr" rotWithShape="0">
+                    <a:schemeClr val="bg2"/>
+                  </a:outerShdw>
+                </a:effectLst>
+              </a14:hiddenEffects>
+            </a:ext>
+          </a:extLst>
+        </p:spPr>
+      </p:pic>
+      <p:sp>
+        <p:nvSpPr>
+          <p:cNvPr id="8" name="Title 5"/>
+          <p:cNvSpPr>
+            <a:spLocks noGrp="1"/>
+          </p:cNvSpPr>
+          <p:nvPr>
+            <p:ph type="title"/>
+          </p:nvPr>
+        </p:nvSpPr>
+        <p:spPr>
+          <a:xfrm>
+            <a:off x="623392" y="188640"/>
+            <a:ext cx="10972800" cy="1584176"/>
+          </a:xfrm>
+        </p:spPr>
+        <p:txBody>
+          <a:bodyPr/>
+          <a:lstStyle/>
+          <a:p>
+            <a:r>
+              <a:rPr lang="en-US" b="1" i="1" dirty="0">
+                <a:solidFill>
+                  <a:schemeClr val="tx1"/>
+                </a:solidFill>
+                <a:latin typeface="Roboto Mono"/>
+              </a:rPr>
+              <a:t>Basic Concept of </a:t>
+            </a:r>
+            <a:r>
+              <a:rPr lang="en-US" b="1" i="1" dirty="0" smtClean="0">
+                <a:solidFill>
+                  <a:schemeClr val="tx1"/>
+                </a:solidFill>
+                <a:latin typeface="Roboto Mono"/>
+              </a:rPr>
+              <a:t/>
+            </a:r>
+            <a:br>
+              <a:rPr lang="en-US" b="1" i="1" dirty="0" smtClean="0">
+                <a:solidFill>
+                  <a:schemeClr val="tx1"/>
+                </a:solidFill>
+                <a:latin typeface="Roboto Mono"/>
+              </a:rPr>
+            </a:br>
+            <a:r>
+              <a:rPr lang="en-US" b="1" i="1" dirty="0" smtClean="0">
+                <a:solidFill>
+                  <a:schemeClr val="tx1"/>
+                </a:solidFill>
+                <a:latin typeface="Roboto Mono"/>
+              </a:rPr>
+              <a:t>Parallel </a:t>
+            </a:r>
+            <a:r>
+              <a:rPr lang="en-US" b="1" i="1" dirty="0">
+                <a:solidFill>
+                  <a:schemeClr val="tx1"/>
+                </a:solidFill>
+                <a:latin typeface="Roboto Mono"/>
+              </a:rPr>
+              <a:t>Programming</a:t>
+            </a:r>
+            <a:endParaRPr lang="en-US" dirty="0"/>
+          </a:p>
+        </p:txBody>
+      </p:sp>
     </p:spTree>
     <p:extLst>
       <p:ext uri="{BB962C8B-B14F-4D97-AF65-F5344CB8AC3E}">
@@ -19287,12 +19675,79 @@
             <p:ph idx="1"/>
           </p:nvPr>
         </p:nvSpPr>
-        <p:spPr/>
+        <p:spPr>
+          <a:xfrm>
+            <a:off x="1037090" y="3212976"/>
+            <a:ext cx="6661435" cy="3450696"/>
+          </a:xfrm>
+        </p:spPr>
         <p:txBody>
-          <a:bodyPr/>
+          <a:bodyPr>
+            <a:normAutofit/>
+          </a:bodyPr>
           <a:lstStyle/>
           <a:p>
-            <a:endParaRPr lang="en-US"/>
+            <a:pPr>
+              <a:buFont typeface="Wingdings" pitchFamily="2" charset="2"/>
+              <a:buChar char="Ø"/>
+            </a:pPr>
+            <a:r>
+              <a:rPr lang="en-US" sz="2000" b="1" i="1" dirty="0" smtClean="0"/>
+              <a:t>Computer architecture                </a:t>
+            </a:r>
+            <a:r>
+              <a:rPr lang="en-US" sz="2000" i="1" dirty="0" smtClean="0"/>
+              <a:t>structure of a computer</a:t>
+            </a:r>
+            <a:r>
+              <a:rPr lang="en-US" sz="2000" dirty="0" smtClean="0"/>
+              <a:t>.</a:t>
+            </a:r>
+            <a:r>
+              <a:rPr lang="en-US" sz="2000" dirty="0"/>
+              <a:t> Computer architect's </a:t>
+            </a:r>
+            <a:r>
+              <a:rPr lang="en-US" sz="2000" dirty="0" smtClean="0"/>
+              <a:t>task is </a:t>
+            </a:r>
+            <a:r>
+              <a:rPr lang="en-US" sz="2000" dirty="0"/>
+              <a:t>to write an suitable program code for the </a:t>
+            </a:r>
+            <a:r>
+              <a:rPr lang="en-US" sz="2000" dirty="0" smtClean="0"/>
+              <a:t>machine, </a:t>
+            </a:r>
+            <a:r>
+              <a:rPr lang="en-US" sz="2000" dirty="0"/>
+              <a:t>understanding all the factors like state-of-the-art </a:t>
+            </a:r>
+            <a:r>
+              <a:rPr lang="en-US" sz="2000" dirty="0" smtClean="0"/>
+              <a:t>technologies at </a:t>
+            </a:r>
+            <a:r>
+              <a:rPr lang="en-US" sz="2000" dirty="0"/>
+              <a:t>each design level and changing those designs </a:t>
+            </a:r>
+            <a:r>
+              <a:rPr lang="en-US" sz="2000" b="1" i="1" dirty="0" smtClean="0"/>
+              <a:t>tradeoffs</a:t>
+            </a:r>
+            <a:r>
+              <a:rPr lang="en-US" sz="2000" dirty="0" smtClean="0"/>
+              <a:t> </a:t>
+            </a:r>
+            <a:r>
+              <a:rPr lang="en-US" sz="2000" dirty="0"/>
+              <a:t>for their </a:t>
+            </a:r>
+            <a:r>
+              <a:rPr lang="en-US" sz="2000" dirty="0" smtClean="0"/>
+              <a:t>specific applications</a:t>
+            </a:r>
+            <a:endParaRPr lang="en-US" sz="2000" b="1" i="1" dirty="0"/>
           </a:p>
         </p:txBody>
       </p:sp>
@@ -19313,10 +19768,47 @@
           </a:xfrm>
         </p:spPr>
         <p:txBody>
-          <a:bodyPr/>
+          <a:bodyPr>
+            <a:normAutofit fontScale="90000"/>
+          </a:bodyPr>
           <a:lstStyle/>
           <a:p>
-            <a:endParaRPr lang="en-US"/>
+            <a:r>
+              <a:rPr lang="en-US" b="1" i="1" dirty="0">
+                <a:solidFill>
+                  <a:schemeClr val="tx1"/>
+                </a:solidFill>
+                <a:latin typeface="Roboto Mono"/>
+              </a:rPr>
+              <a:t>Parallel Programming </a:t>
+            </a:r>
+            <a:r>
+              <a:rPr lang="en-US" b="1" i="1" dirty="0" smtClean="0">
+                <a:solidFill>
+                  <a:schemeClr val="tx1"/>
+                </a:solidFill>
+                <a:latin typeface="Roboto Mono"/>
+              </a:rPr>
+              <a:t/>
+            </a:r>
+            <a:br>
+              <a:rPr lang="en-US" b="1" i="1" dirty="0" smtClean="0">
+                <a:solidFill>
+                  <a:schemeClr val="tx1"/>
+                </a:solidFill>
+                <a:latin typeface="Roboto Mono"/>
+              </a:rPr>
+            </a:br>
+            <a:r>
+              <a:rPr lang="en-US" b="1" i="1" dirty="0" smtClean="0">
+                <a:solidFill>
+                  <a:schemeClr val="tx1"/>
+                </a:solidFill>
+                <a:latin typeface="Roboto Mono"/>
+              </a:rPr>
+              <a:t>Architecture</a:t>
+            </a:r>
+            <a:endParaRPr lang="en-US" dirty="0"/>
           </a:p>
         </p:txBody>
       </p:sp>
@@ -19344,6 +19836,76 @@
           <a:xfrm>
             <a:off x="9840416" y="260648"/>
             <a:ext cx="1981678" cy="1440160"/>
+          </a:xfrm>
+          <a:prstGeom prst="rect">
+            <a:avLst/>
+          </a:prstGeom>
+        </p:spPr>
+      </p:pic>
+      <p:sp>
+        <p:nvSpPr>
+          <p:cNvPr id="5" name="Right Arrow 4"/>
+          <p:cNvSpPr/>
+          <p:nvPr/>
+        </p:nvSpPr>
+        <p:spPr>
+          <a:xfrm>
+            <a:off x="3863752" y="3356992"/>
+            <a:ext cx="720080" cy="144016"/>
+          </a:xfrm>
+          <a:prstGeom prst="rightArrow">
+            <a:avLst/>
+          </a:prstGeom>
+        </p:spPr>
+        <p:style>
+          <a:lnRef idx="2">
+            <a:schemeClr val="accent1">
+              <a:shade val="50000"/>
+            </a:schemeClr>
+          </a:lnRef>
+          <a:fillRef idx="1">
+            <a:schemeClr val="accent1"/>
+          </a:fillRef>
+          <a:effectRef idx="0">
+            <a:schemeClr val="accent1"/>
+          </a:effectRef>
+          <a:fontRef idx="minor">
+            <a:schemeClr val="lt1"/>
+          </a:fontRef>
+        </p:style>
+        <p:txBody>
+          <a:bodyPr rtlCol="0" anchor="ctr"/>
+          <a:lstStyle/>
+          <a:p>
+            <a:pPr algn="ctr"/>
+            <a:endParaRPr lang="en-US"/>
+          </a:p>
+        </p:txBody>
+      </p:sp>
+      <p:pic>
+        <p:nvPicPr>
+          <p:cNvPr id="3" name="Picture 2"/>
+          <p:cNvPicPr>
+            <a:picLocks noChangeAspect="1"/>
+          </p:cNvPicPr>
+          <p:nvPr/>
+        </p:nvPicPr>
+        <p:blipFill>
+          <a:blip r:embed="rId3">
+            <a:extLst>
+              <a:ext uri="{28A0092B-C50C-407E-A947-70E740481C1C}">
+                <a14:useLocalDpi xmlns:a14="http://schemas.microsoft.com/office/drawing/2010/main" val="0"/>
+              </a:ext>
+            </a:extLst>
+          </a:blip>
+          <a:stretch>
+            <a:fillRect/>
+          </a:stretch>
+        </p:blipFill>
+        <p:spPr>
+          <a:xfrm>
+            <a:off x="7758438" y="2708920"/>
+            <a:ext cx="4163955" cy="3122966"/>
           </a:xfrm>
           <a:prstGeom prst="rect">
             <a:avLst/>
@@ -19397,36 +19959,145 @@
             <p:ph idx="1"/>
           </p:nvPr>
         </p:nvSpPr>
-        <p:spPr/>
-        <p:txBody>
-          <a:bodyPr/>
-          <a:lstStyle/>
-          <a:p>
-            <a:endParaRPr lang="en-US"/>
-          </a:p>
-        </p:txBody>
-      </p:sp>
-      <p:sp>
-        <p:nvSpPr>
-          <p:cNvPr id="6" name="Title 5"/>
-          <p:cNvSpPr>
-            <a:spLocks noGrp="1"/>
-          </p:cNvSpPr>
-          <p:nvPr>
-            <p:ph type="title"/>
-          </p:nvPr>
-        </p:nvSpPr>
         <p:spPr>
           <a:xfrm>
-            <a:off x="623392" y="332656"/>
-            <a:ext cx="10972800" cy="1252728"/>
+            <a:off x="335361" y="2675466"/>
+            <a:ext cx="7776864" cy="3561845"/>
           </a:xfrm>
         </p:spPr>
         <p:txBody>
-          <a:bodyPr/>
+          <a:bodyPr>
+            <a:normAutofit/>
+          </a:bodyPr>
           <a:lstStyle/>
           <a:p>
-            <a:endParaRPr lang="en-US"/>
+            <a:pPr>
+              <a:buFont typeface="Wingdings" pitchFamily="2" charset="2"/>
+              <a:buChar char="Ø"/>
+            </a:pPr>
+            <a:r>
+              <a:rPr lang="en-US" b="1" i="1" dirty="0"/>
+              <a:t>Flynn's </a:t>
+            </a:r>
+            <a:r>
+              <a:rPr lang="en-US" b="1" i="1" dirty="0" err="1" smtClean="0"/>
+              <a:t>classication</a:t>
+            </a:r>
+            <a:r>
+              <a:rPr lang="en-US" b="1" i="1" dirty="0" smtClean="0"/>
+              <a:t>               </a:t>
+            </a:r>
+            <a:r>
+              <a:rPr lang="en-US" dirty="0" smtClean="0"/>
+              <a:t>a </a:t>
+            </a:r>
+            <a:r>
+              <a:rPr lang="en-US" dirty="0"/>
+              <a:t>scheme which is based on the notion of information </a:t>
+            </a:r>
+            <a:r>
+              <a:rPr lang="en-US" dirty="0" smtClean="0"/>
+              <a:t>stream</a:t>
+            </a:r>
+          </a:p>
+          <a:p>
+            <a:pPr>
+              <a:buFont typeface="Wingdings" pitchFamily="2" charset="2"/>
+              <a:buChar char="Ø"/>
+            </a:pPr>
+            <a:r>
+              <a:rPr lang="en-US" b="1" i="1" dirty="0" smtClean="0"/>
+              <a:t>“Stream”             </a:t>
+            </a:r>
+            <a:r>
+              <a:rPr lang="en-US" dirty="0" smtClean="0"/>
+              <a:t>defines </a:t>
+            </a:r>
+            <a:r>
+              <a:rPr lang="en-US" dirty="0"/>
+              <a:t>a sequence or </a:t>
+            </a:r>
+            <a:r>
+              <a:rPr lang="en-US" dirty="0" smtClean="0"/>
+              <a:t>flow containing one of both </a:t>
+            </a:r>
+            <a:r>
+              <a:rPr lang="en-US" dirty="0"/>
+              <a:t>existent types </a:t>
+            </a:r>
+            <a:r>
+              <a:rPr lang="en-US" dirty="0" smtClean="0"/>
+              <a:t>of information </a:t>
+            </a:r>
+            <a:r>
+              <a:rPr lang="en-US" dirty="0"/>
+              <a:t>which </a:t>
+            </a:r>
+            <a:r>
+              <a:rPr lang="en-US" dirty="0" smtClean="0"/>
+              <a:t>flows and </a:t>
+            </a:r>
+            <a:r>
+              <a:rPr lang="en-US" dirty="0"/>
+              <a:t>are operated into a processor: instructions or </a:t>
+            </a:r>
+            <a:r>
+              <a:rPr lang="en-US" dirty="0" smtClean="0"/>
+              <a:t>data</a:t>
+            </a:r>
+          </a:p>
+          <a:p>
+            <a:pPr>
+              <a:buFont typeface="Wingdings" pitchFamily="2" charset="2"/>
+              <a:buChar char="Ø"/>
+            </a:pPr>
+            <a:r>
+              <a:rPr lang="en-US" dirty="0"/>
+              <a:t>Types of </a:t>
+            </a:r>
+            <a:r>
+              <a:rPr lang="en-US" dirty="0" smtClean="0"/>
+              <a:t>Parallelism:  </a:t>
+            </a:r>
+          </a:p>
+          <a:p>
+            <a:pPr lvl="2">
+              <a:buFont typeface="Wingdings" pitchFamily="2" charset="2"/>
+              <a:buChar char="Ø"/>
+            </a:pPr>
+            <a:r>
+              <a:rPr lang="en-US" dirty="0"/>
+              <a:t>Bit-level </a:t>
+            </a:r>
+            <a:r>
+              <a:rPr lang="en-US" dirty="0" smtClean="0"/>
+              <a:t>parallelism</a:t>
+            </a:r>
+          </a:p>
+          <a:p>
+            <a:pPr lvl="2">
+              <a:buFont typeface="Wingdings" pitchFamily="2" charset="2"/>
+              <a:buChar char="Ø"/>
+            </a:pPr>
+            <a:r>
+              <a:rPr lang="en-US" dirty="0"/>
+              <a:t>Instruction-level </a:t>
+            </a:r>
+            <a:r>
+              <a:rPr lang="en-US" dirty="0" smtClean="0"/>
+              <a:t>parallelism</a:t>
+            </a:r>
+          </a:p>
+          <a:p>
+            <a:pPr lvl="2">
+              <a:buFont typeface="Wingdings" pitchFamily="2" charset="2"/>
+              <a:buChar char="Ø"/>
+            </a:pPr>
+            <a:r>
+              <a:rPr lang="en-US" dirty="0"/>
+              <a:t>Task/Thread parallelism</a:t>
+            </a:r>
+            <a:endParaRPr lang="en-US" b="1" i="1" dirty="0"/>
           </a:p>
         </p:txBody>
       </p:sp>
@@ -19460,10 +20131,345 @@
           </a:prstGeom>
         </p:spPr>
       </p:pic>
+      <p:sp>
+        <p:nvSpPr>
+          <p:cNvPr id="5" name="Title 5"/>
+          <p:cNvSpPr>
+            <a:spLocks noGrp="1"/>
+          </p:cNvSpPr>
+          <p:nvPr>
+            <p:ph type="title"/>
+          </p:nvPr>
+        </p:nvSpPr>
+        <p:spPr>
+          <a:xfrm>
+            <a:off x="623888" y="333375"/>
+            <a:ext cx="10972800" cy="1252538"/>
+          </a:xfrm>
+        </p:spPr>
+        <p:txBody>
+          <a:bodyPr>
+            <a:normAutofit fontScale="90000"/>
+          </a:bodyPr>
+          <a:lstStyle/>
+          <a:p>
+            <a:r>
+              <a:rPr lang="en-US" b="1" i="1" dirty="0">
+                <a:solidFill>
+                  <a:schemeClr val="tx1"/>
+                </a:solidFill>
+                <a:latin typeface="Roboto Mono"/>
+              </a:rPr>
+              <a:t>Parallel Programming </a:t>
+            </a:r>
+            <a:r>
+              <a:rPr lang="en-US" b="1" i="1" dirty="0" smtClean="0">
+                <a:solidFill>
+                  <a:schemeClr val="tx1"/>
+                </a:solidFill>
+                <a:latin typeface="Roboto Mono"/>
+              </a:rPr>
+              <a:t/>
+            </a:r>
+            <a:br>
+              <a:rPr lang="en-US" b="1" i="1" dirty="0" smtClean="0">
+                <a:solidFill>
+                  <a:schemeClr val="tx1"/>
+                </a:solidFill>
+                <a:latin typeface="Roboto Mono"/>
+              </a:rPr>
+            </a:br>
+            <a:r>
+              <a:rPr lang="en-US" b="1" i="1" dirty="0" smtClean="0">
+                <a:solidFill>
+                  <a:schemeClr val="tx1"/>
+                </a:solidFill>
+                <a:latin typeface="Roboto Mono"/>
+              </a:rPr>
+              <a:t>Architecture</a:t>
+            </a:r>
+            <a:endParaRPr lang="en-US" dirty="0"/>
+          </a:p>
+        </p:txBody>
+      </p:sp>
+      <p:pic>
+        <p:nvPicPr>
+          <p:cNvPr id="4098" name="Picture 2"/>
+          <p:cNvPicPr>
+            <a:picLocks noChangeAspect="1" noChangeArrowheads="1"/>
+          </p:cNvPicPr>
+          <p:nvPr/>
+        </p:nvPicPr>
+        <p:blipFill>
+          <a:blip r:embed="rId3" cstate="print">
+            <a:extLst>
+              <a:ext uri="{28A0092B-C50C-407E-A947-70E740481C1C}">
+                <a14:useLocalDpi xmlns:a14="http://schemas.microsoft.com/office/drawing/2010/main" val="0"/>
+              </a:ext>
+            </a:extLst>
+          </a:blip>
+          <a:srcRect/>
+          <a:stretch>
+            <a:fillRect/>
+          </a:stretch>
+        </p:blipFill>
+        <p:spPr bwMode="auto">
+          <a:xfrm>
+            <a:off x="8256240" y="2708920"/>
+            <a:ext cx="3863147" cy="2785889"/>
+          </a:xfrm>
+          <a:prstGeom prst="rect">
+            <a:avLst/>
+          </a:prstGeom>
+          <a:noFill/>
+          <a:ln>
+            <a:noFill/>
+          </a:ln>
+          <a:effectLst/>
+          <a:extLst>
+            <a:ext uri="{909E8E84-426E-40DD-AFC4-6F175D3DCCD1}">
+              <a14:hiddenFill xmlns:a14="http://schemas.microsoft.com/office/drawing/2010/main">
+                <a:solidFill>
+                  <a:schemeClr val="accent1"/>
+                </a:solidFill>
+              </a14:hiddenFill>
+            </a:ext>
+            <a:ext uri="{91240B29-F687-4F45-9708-019B960494DF}">
+              <a14:hiddenLine xmlns:a14="http://schemas.microsoft.com/office/drawing/2010/main" w="9525">
+                <a:solidFill>
+                  <a:schemeClr val="tx1"/>
+                </a:solidFill>
+                <a:miter lim="800000"/>
+                <a:headEnd/>
+                <a:tailEnd/>
+              </a14:hiddenLine>
+            </a:ext>
+            <a:ext uri="{AF507438-7753-43E0-B8FC-AC1667EBCBE1}">
+              <a14:hiddenEffects xmlns:a14="http://schemas.microsoft.com/office/drawing/2010/main">
+                <a:effectLst>
+                  <a:outerShdw dist="35921" dir="2700000" algn="ctr" rotWithShape="0">
+                    <a:schemeClr val="bg2"/>
+                  </a:outerShdw>
+                </a:effectLst>
+              </a14:hiddenEffects>
+            </a:ext>
+          </a:extLst>
+        </p:spPr>
+      </p:pic>
+      <p:sp>
+        <p:nvSpPr>
+          <p:cNvPr id="8" name="Right Arrow 7"/>
+          <p:cNvSpPr/>
+          <p:nvPr/>
+        </p:nvSpPr>
+        <p:spPr>
+          <a:xfrm>
+            <a:off x="3250678" y="2891395"/>
+            <a:ext cx="720080" cy="144016"/>
+          </a:xfrm>
+          <a:prstGeom prst="rightArrow">
+            <a:avLst/>
+          </a:prstGeom>
+        </p:spPr>
+        <p:style>
+          <a:lnRef idx="2">
+            <a:schemeClr val="accent1">
+              <a:shade val="50000"/>
+            </a:schemeClr>
+          </a:lnRef>
+          <a:fillRef idx="1">
+            <a:schemeClr val="accent1"/>
+          </a:fillRef>
+          <a:effectRef idx="0">
+            <a:schemeClr val="accent1"/>
+          </a:effectRef>
+          <a:fontRef idx="minor">
+            <a:schemeClr val="lt1"/>
+          </a:fontRef>
+        </p:style>
+        <p:txBody>
+          <a:bodyPr rtlCol="0" anchor="ctr"/>
+          <a:lstStyle/>
+          <a:p>
+            <a:pPr algn="ctr"/>
+            <a:endParaRPr lang="en-US"/>
+          </a:p>
+        </p:txBody>
+      </p:sp>
+      <p:sp>
+        <p:nvSpPr>
+          <p:cNvPr id="9" name="Right Arrow 8"/>
+          <p:cNvSpPr/>
+          <p:nvPr/>
+        </p:nvSpPr>
+        <p:spPr>
+          <a:xfrm>
+            <a:off x="1991544" y="3645024"/>
+            <a:ext cx="720080" cy="144016"/>
+          </a:xfrm>
+          <a:prstGeom prst="rightArrow">
+            <a:avLst/>
+          </a:prstGeom>
+        </p:spPr>
+        <p:style>
+          <a:lnRef idx="2">
+            <a:schemeClr val="accent1">
+              <a:shade val="50000"/>
+            </a:schemeClr>
+          </a:lnRef>
+          <a:fillRef idx="1">
+            <a:schemeClr val="accent1"/>
+          </a:fillRef>
+          <a:effectRef idx="0">
+            <a:schemeClr val="accent1"/>
+          </a:effectRef>
+          <a:fontRef idx="minor">
+            <a:schemeClr val="lt1"/>
+          </a:fontRef>
+        </p:style>
+        <p:txBody>
+          <a:bodyPr rtlCol="0" anchor="ctr"/>
+          <a:lstStyle/>
+          <a:p>
+            <a:pPr algn="ctr"/>
+            <a:endParaRPr lang="en-US"/>
+          </a:p>
+        </p:txBody>
+      </p:sp>
     </p:spTree>
     <p:extLst>
       <p:ext uri="{BB962C8B-B14F-4D97-AF65-F5344CB8AC3E}">
         <p14:creationId xmlns:p14="http://schemas.microsoft.com/office/powerpoint/2010/main" val="3066032528"/>
+      </p:ext>
+    </p:extLst>
+  </p:cSld>
+  <p:clrMapOvr>
+    <a:masterClrMapping/>
+  </p:clrMapOvr>
+  <p:timing>
+    <p:tnLst>
+      <p:par>
+        <p:cTn id="1" dur="indefinite" restart="never" nodeType="tmRoot"/>
+      </p:par>
+    </p:tnLst>
+  </p:timing>
+</p:sld>
+</file>
+
+<file path=ppt/slides/slide9.xml><?xml version="1.0" encoding="utf-8"?>
+<p:sld xmlns:a="http://schemas.openxmlformats.org/drawingml/2006/main" xmlns:r="http://schemas.openxmlformats.org/officeDocument/2006/relationships" xmlns:p="http://schemas.openxmlformats.org/presentationml/2006/main">
+  <p:cSld>
+    <p:spTree>
+      <p:nvGrpSpPr>
+        <p:cNvPr id="1" name=""/>
+        <p:cNvGrpSpPr/>
+        <p:nvPr/>
+      </p:nvGrpSpPr>
+      <p:grpSpPr>
+        <a:xfrm>
+          <a:off x="0" y="0"/>
+          <a:ext cx="0" cy="0"/>
+          <a:chOff x="0" y="0"/>
+          <a:chExt cx="0" cy="0"/>
+        </a:xfrm>
+      </p:grpSpPr>
+      <p:sp>
+        <p:nvSpPr>
+          <p:cNvPr id="7" name="Rectangle 6"/>
+          <p:cNvSpPr/>
+          <p:nvPr/>
+        </p:nvSpPr>
+        <p:spPr>
+          <a:xfrm>
+            <a:off x="2602984" y="3041515"/>
+            <a:ext cx="6827143" cy="1569660"/>
+          </a:xfrm>
+          <a:prstGeom prst="rect">
+            <a:avLst/>
+          </a:prstGeom>
+          <a:noFill/>
+        </p:spPr>
+        <p:txBody>
+          <a:bodyPr wrap="square" lIns="91440" tIns="45720" rIns="91440" bIns="45720">
+            <a:spAutoFit/>
+          </a:bodyPr>
+          <a:lstStyle/>
+          <a:p>
+            <a:pPr algn="ctr"/>
+            <a:r>
+              <a:rPr lang="en-US" sz="9600" b="1" cap="none" spc="0" dirty="0" smtClean="0">
+                <a:ln w="31550" cmpd="sng">
+                  <a:gradFill>
+                    <a:gsLst>
+                      <a:gs pos="25000">
+                        <a:schemeClr val="accent1">
+                          <a:shade val="25000"/>
+                          <a:satMod val="190000"/>
+                        </a:schemeClr>
+                      </a:gs>
+                      <a:gs pos="80000">
+                        <a:schemeClr val="accent1">
+                          <a:tint val="75000"/>
+                          <a:satMod val="190000"/>
+                        </a:schemeClr>
+                      </a:gs>
+                    </a:gsLst>
+                    <a:lin ang="5400000"/>
+                  </a:gradFill>
+                  <a:prstDash val="solid"/>
+                </a:ln>
+                <a:solidFill>
+                  <a:srgbClr val="FFFFFF"/>
+                </a:solidFill>
+                <a:effectLst>
+                  <a:outerShdw blurRad="41275" dist="12700" dir="12000000" algn="tl" rotWithShape="0">
+                    <a:srgbClr val="000000">
+                      <a:alpha val="40000"/>
+                    </a:srgbClr>
+                  </a:outerShdw>
+                </a:effectLst>
+              </a:rPr>
+              <a:t>Thank you!</a:t>
+            </a:r>
+            <a:endParaRPr lang="en-US" sz="9600" b="1" cap="none" spc="0" dirty="0">
+              <a:ln w="31550" cmpd="sng">
+                <a:gradFill>
+                  <a:gsLst>
+                    <a:gs pos="25000">
+                      <a:schemeClr val="accent1">
+                        <a:shade val="25000"/>
+                        <a:satMod val="190000"/>
+                      </a:schemeClr>
+                    </a:gs>
+                    <a:gs pos="80000">
+                      <a:schemeClr val="accent1">
+                        <a:tint val="75000"/>
+                        <a:satMod val="190000"/>
+                      </a:schemeClr>
+                    </a:gs>
+                  </a:gsLst>
+                  <a:lin ang="5400000"/>
+                </a:gradFill>
+                <a:prstDash val="solid"/>
+              </a:ln>
+              <a:solidFill>
+                <a:srgbClr val="FFFFFF"/>
+              </a:solidFill>
+              <a:effectLst>
+                <a:outerShdw blurRad="41275" dist="12700" dir="12000000" algn="tl" rotWithShape="0">
+                  <a:srgbClr val="000000">
+                    <a:alpha val="40000"/>
+                  </a:srgbClr>
+                </a:outerShdw>
+              </a:effectLst>
+            </a:endParaRPr>
+          </a:p>
+        </p:txBody>
+      </p:sp>
+    </p:spTree>
+    <p:extLst>
+      <p:ext uri="{BB962C8B-B14F-4D97-AF65-F5344CB8AC3E}">
+        <p14:creationId xmlns:p14="http://schemas.microsoft.com/office/powerpoint/2010/main" val="949725968"/>
       </p:ext>
     </p:extLst>
   </p:cSld>
